--- a/3_PHASE4_Architecture/docs/3.2 Architecture management in MATLAB.pptx
+++ b/3_PHASE4_Architecture/docs/3.2 Architecture management in MATLAB.pptx
@@ -317,7 +317,7 @@
           <a:p>
             <a:fld id="{DE2F9ED7-D9DF-9B4A-A1AC-9FBF0C9B1C8E}" type="datetime1">
               <a:rPr lang="es-ES" smtClean="0"/>
-              <a:t>11/07/2023</a:t>
+              <a:t>14/09/2023</a:t>
             </a:fld>
             <a:endParaRPr lang="en-US"/>
           </a:p>
@@ -487,7 +487,7 @@
           <a:p>
             <a:fld id="{FEDC53B6-CB23-B545-A702-0812837A95EA}" type="datetime1">
               <a:rPr lang="es-ES" smtClean="0"/>
-              <a:t>11/07/2023</a:t>
+              <a:t>14/09/2023</a:t>
             </a:fld>
             <a:endParaRPr lang="en-US"/>
           </a:p>
@@ -1122,7 +1122,7 @@
             <a:fld id="{2D72A43D-7419-4C41-A920-C6E38643746D}" type="datetime3">
               <a:rPr lang="es-ES_tradnl" smtClean="0"/>
               <a:pPr/>
-              <a:t>11.07.23</a:t>
+              <a:t>14.09.23</a:t>
             </a:fld>
             <a:endParaRPr lang="en-US" dirty="0"/>
           </a:p>
@@ -1383,7 +1383,7 @@
             <a:fld id="{2D72A43D-7419-4C41-A920-C6E38643746D}" type="datetime3">
               <a:rPr lang="es-ES_tradnl" smtClean="0"/>
               <a:pPr/>
-              <a:t>11.07.23</a:t>
+              <a:t>14.09.23</a:t>
             </a:fld>
             <a:endParaRPr lang="en-US" dirty="0"/>
           </a:p>
@@ -1681,7 +1681,7 @@
           <a:p>
             <a:fld id="{0051B10C-2937-EF49-B2B2-FDE1E3A46A2D}" type="datetime3">
               <a:rPr lang="es-ES_tradnl" smtClean="0"/>
-              <a:t>11.07.23</a:t>
+              <a:t>14.09.23</a:t>
             </a:fld>
             <a:endParaRPr lang="en-US" dirty="0"/>
           </a:p>
@@ -1956,7 +1956,7 @@
           <a:p>
             <a:fld id="{0051B10C-2937-EF49-B2B2-FDE1E3A46A2D}" type="datetime3">
               <a:rPr lang="es-ES_tradnl" smtClean="0"/>
-              <a:t>11.07.23</a:t>
+              <a:t>14.09.23</a:t>
             </a:fld>
             <a:endParaRPr lang="en-US" dirty="0"/>
           </a:p>
@@ -2260,7 +2260,7 @@
           <a:p>
             <a:fld id="{0051B10C-2937-EF49-B2B2-FDE1E3A46A2D}" type="datetime3">
               <a:rPr lang="es-ES_tradnl" smtClean="0"/>
-              <a:t>11.07.23</a:t>
+              <a:t>14.09.23</a:t>
             </a:fld>
             <a:endParaRPr lang="en-US" dirty="0"/>
           </a:p>
@@ -2569,7 +2569,7 @@
           <a:p>
             <a:fld id="{2DCE5B6F-4229-BD47-9F49-CE071C120013}" type="datetime3">
               <a:rPr lang="es-ES_tradnl" smtClean="0"/>
-              <a:t>11.07.23</a:t>
+              <a:t>14.09.23</a:t>
             </a:fld>
             <a:endParaRPr lang="en-US" dirty="0"/>
           </a:p>
@@ -2896,7 +2896,7 @@
           <a:p>
             <a:fld id="{2DCE5B6F-4229-BD47-9F49-CE071C120013}" type="datetime3">
               <a:rPr lang="es-ES_tradnl" smtClean="0"/>
-              <a:t>11.07.23</a:t>
+              <a:t>14.09.23</a:t>
             </a:fld>
             <a:endParaRPr lang="en-US" dirty="0"/>
           </a:p>
@@ -3223,7 +3223,7 @@
           <a:p>
             <a:fld id="{2DCE5B6F-4229-BD47-9F49-CE071C120013}" type="datetime3">
               <a:rPr lang="es-ES_tradnl" smtClean="0"/>
-              <a:t>11.07.23</a:t>
+              <a:t>14.09.23</a:t>
             </a:fld>
             <a:endParaRPr lang="en-US" dirty="0"/>
           </a:p>
@@ -3661,7 +3661,7 @@
             <a:fld id="{6D8C46FE-6D60-7E43-9EAD-3064B98E9FE4}" type="datetime3">
               <a:rPr lang="es-ES_tradnl" smtClean="0"/>
               <a:pPr/>
-              <a:t>11.07.23</a:t>
+              <a:t>14.09.23</a:t>
             </a:fld>
             <a:endParaRPr lang="en-US" dirty="0"/>
           </a:p>
@@ -4083,7 +4083,7 @@
             <a:fld id="{6D8C46FE-6D60-7E43-9EAD-3064B98E9FE4}" type="datetime3">
               <a:rPr lang="es-ES_tradnl" smtClean="0"/>
               <a:pPr/>
-              <a:t>11.07.23</a:t>
+              <a:t>14.09.23</a:t>
             </a:fld>
             <a:endParaRPr lang="en-US" dirty="0"/>
           </a:p>
@@ -4819,7 +4819,7 @@
             <a:fld id="{6D8C46FE-6D60-7E43-9EAD-3064B98E9FE4}" type="datetime3">
               <a:rPr lang="es-ES_tradnl" smtClean="0"/>
               <a:pPr/>
-              <a:t>11.07.23</a:t>
+              <a:t>14.09.23</a:t>
             </a:fld>
             <a:endParaRPr lang="en-US" dirty="0"/>
           </a:p>
@@ -5134,7 +5134,7 @@
             <a:fld id="{03BAEA45-06BF-1B4B-8B5F-15A64A07D060}" type="datetime3">
               <a:rPr lang="es-ES_tradnl" smtClean="0"/>
               <a:pPr/>
-              <a:t>11.07.23</a:t>
+              <a:t>14.09.23</a:t>
             </a:fld>
             <a:endParaRPr lang="en-US" dirty="0"/>
           </a:p>
@@ -5332,7 +5332,7 @@
             <a:fld id="{03BAEA45-06BF-1B4B-8B5F-15A64A07D060}" type="datetime3">
               <a:rPr lang="es-ES_tradnl" smtClean="0"/>
               <a:pPr/>
-              <a:t>11.07.23</a:t>
+              <a:t>14.09.23</a:t>
             </a:fld>
             <a:endParaRPr lang="en-US" dirty="0"/>
           </a:p>
@@ -5530,7 +5530,7 @@
             <a:fld id="{03BAEA45-06BF-1B4B-8B5F-15A64A07D060}" type="datetime3">
               <a:rPr lang="es-ES_tradnl" smtClean="0"/>
               <a:pPr/>
-              <a:t>11.07.23</a:t>
+              <a:t>14.09.23</a:t>
             </a:fld>
             <a:endParaRPr lang="en-US" dirty="0"/>
           </a:p>
@@ -9119,7 +9119,7 @@
             <a:fld id="{2D72A43D-7419-4C41-A920-C6E38643746D}" type="datetime3">
               <a:rPr lang="es-ES_tradnl" smtClean="0"/>
               <a:pPr/>
-              <a:t>11.07.23</a:t>
+              <a:t>14.09.23</a:t>
             </a:fld>
             <a:endParaRPr lang="en-US" dirty="0"/>
           </a:p>
@@ -9399,7 +9399,7 @@
           <a:p>
             <a:fld id="{9FAE4B82-6DFA-A543-B435-4398A9590E55}" type="datetime3">
               <a:rPr lang="es-ES_tradnl" smtClean="0"/>
-              <a:t>11.07.23</a:t>
+              <a:t>14.09.23</a:t>
             </a:fld>
             <a:endParaRPr lang="en-US" dirty="0"/>
           </a:p>
@@ -10083,7 +10083,7 @@
             <a:fld id="{2D72A43D-7419-4C41-A920-C6E38643746D}" type="datetime3">
               <a:rPr lang="es-ES_tradnl" smtClean="0"/>
               <a:pPr/>
-              <a:t>11.07.23</a:t>
+              <a:t>14.09.23</a:t>
             </a:fld>
             <a:endParaRPr lang="en-US" dirty="0"/>
           </a:p>
@@ -10656,7 +10656,7 @@
             <a:fld id="{2D72A43D-7419-4C41-A920-C6E38643746D}" type="datetime3">
               <a:rPr lang="es-ES_tradnl" smtClean="0"/>
               <a:pPr/>
-              <a:t>11.07.23</a:t>
+              <a:t>14.09.23</a:t>
             </a:fld>
             <a:endParaRPr lang="en-US" dirty="0"/>
           </a:p>
@@ -11221,7 +11221,7 @@
             <a:fld id="{2D72A43D-7419-4C41-A920-C6E38643746D}" type="datetime3">
               <a:rPr lang="es-ES_tradnl" smtClean="0"/>
               <a:pPr/>
-              <a:t>11.07.23</a:t>
+              <a:t>14.09.23</a:t>
             </a:fld>
             <a:endParaRPr lang="en-US" dirty="0"/>
           </a:p>
@@ -11856,7 +11856,7 @@
             <a:fld id="{2D72A43D-7419-4C41-A920-C6E38643746D}" type="datetime3">
               <a:rPr lang="es-ES_tradnl" smtClean="0"/>
               <a:pPr/>
-              <a:t>11.07.23</a:t>
+              <a:t>14.09.23</a:t>
             </a:fld>
             <a:endParaRPr lang="en-US" dirty="0"/>
           </a:p>
@@ -12339,7 +12339,7 @@
             <a:fld id="{2D72A43D-7419-4C41-A920-C6E38643746D}" type="datetime3">
               <a:rPr lang="es-ES_tradnl" smtClean="0"/>
               <a:pPr/>
-              <a:t>11.07.23</a:t>
+              <a:t>14.09.23</a:t>
             </a:fld>
             <a:endParaRPr lang="en-US" dirty="0"/>
           </a:p>
@@ -13173,7 +13173,7 @@
             <a:fld id="{2D72A43D-7419-4C41-A920-C6E38643746D}" type="datetime3">
               <a:rPr lang="es-ES_tradnl" smtClean="0"/>
               <a:pPr/>
-              <a:t>11.07.23</a:t>
+              <a:t>14.09.23</a:t>
             </a:fld>
             <a:endParaRPr lang="en-US" dirty="0"/>
           </a:p>
@@ -13833,7 +13833,7 @@
             <a:fld id="{2D72A43D-7419-4C41-A920-C6E38643746D}" type="datetime3">
               <a:rPr lang="es-ES_tradnl" smtClean="0"/>
               <a:pPr/>
-              <a:t>11.07.23</a:t>
+              <a:t>14.09.23</a:t>
             </a:fld>
             <a:endParaRPr lang="en-US" dirty="0"/>
           </a:p>
@@ -14080,7 +14080,7 @@
             <a:fld id="{2D72A43D-7419-4C41-A920-C6E38643746D}" type="datetime3">
               <a:rPr lang="es-ES_tradnl" smtClean="0"/>
               <a:pPr/>
-              <a:t>11.07.23</a:t>
+              <a:t>14.09.23</a:t>
             </a:fld>
             <a:endParaRPr lang="en-US" dirty="0"/>
           </a:p>
@@ -14525,7 +14525,7 @@
             <a:fld id="{2D72A43D-7419-4C41-A920-C6E38643746D}" type="datetime3">
               <a:rPr lang="es-ES_tradnl" smtClean="0"/>
               <a:pPr/>
-              <a:t>11.07.23</a:t>
+              <a:t>14.09.23</a:t>
             </a:fld>
             <a:endParaRPr lang="en-US" dirty="0"/>
           </a:p>
@@ -14803,7 +14803,7 @@
             <a:fld id="{2D72A43D-7419-4C41-A920-C6E38643746D}" type="datetime3">
               <a:rPr lang="es-ES_tradnl" smtClean="0"/>
               <a:pPr/>
-              <a:t>11.07.23</a:t>
+              <a:t>14.09.23</a:t>
             </a:fld>
             <a:endParaRPr lang="en-US" dirty="0"/>
           </a:p>
@@ -15180,7 +15180,7 @@
             <a:fld id="{2D72A43D-7419-4C41-A920-C6E38643746D}" type="datetime3">
               <a:rPr lang="es-ES_tradnl" smtClean="0"/>
               <a:pPr/>
-              <a:t>11.07.23</a:t>
+              <a:t>14.09.23</a:t>
             </a:fld>
             <a:endParaRPr lang="en-US" dirty="0"/>
           </a:p>
@@ -15420,7 +15420,7 @@
             <a:fld id="{2D72A43D-7419-4C41-A920-C6E38643746D}" type="datetime3">
               <a:rPr lang="es-ES_tradnl" smtClean="0"/>
               <a:pPr/>
-              <a:t>11.07.23</a:t>
+              <a:t>14.09.23</a:t>
             </a:fld>
             <a:endParaRPr lang="en-US" dirty="0"/>
           </a:p>
@@ -15869,7 +15869,7 @@
             <a:fld id="{2D72A43D-7419-4C41-A920-C6E38643746D}" type="datetime3">
               <a:rPr lang="es-ES_tradnl" smtClean="0"/>
               <a:pPr/>
-              <a:t>11.07.23</a:t>
+              <a:t>14.09.23</a:t>
             </a:fld>
             <a:endParaRPr lang="en-US" dirty="0"/>
           </a:p>
@@ -15998,7 +15998,7 @@
             <a:fld id="{2D72A43D-7419-4C41-A920-C6E38643746D}" type="datetime3">
               <a:rPr lang="es-ES_tradnl" smtClean="0"/>
               <a:pPr/>
-              <a:t>11.07.23</a:t>
+              <a:t>14.09.23</a:t>
             </a:fld>
             <a:endParaRPr lang="en-US" dirty="0"/>
           </a:p>
@@ -16328,7 +16328,7 @@
             <a:fld id="{2D72A43D-7419-4C41-A920-C6E38643746D}" type="datetime3">
               <a:rPr lang="es-ES_tradnl" smtClean="0"/>
               <a:pPr/>
-              <a:t>11.07.23</a:t>
+              <a:t>14.09.23</a:t>
             </a:fld>
             <a:endParaRPr lang="en-US" dirty="0"/>
           </a:p>
@@ -16613,7 +16613,7 @@
             <a:fld id="{2D72A43D-7419-4C41-A920-C6E38643746D}" type="datetime3">
               <a:rPr lang="es-ES_tradnl" smtClean="0"/>
               <a:pPr/>
-              <a:t>11.07.23</a:t>
+              <a:t>14.09.23</a:t>
             </a:fld>
             <a:endParaRPr lang="en-US" dirty="0"/>
           </a:p>
@@ -16918,7 +16918,7 @@
             <a:fld id="{2D72A43D-7419-4C41-A920-C6E38643746D}" type="datetime3">
               <a:rPr lang="es-ES_tradnl" smtClean="0"/>
               <a:pPr/>
-              <a:t>11.07.23</a:t>
+              <a:t>14.09.23</a:t>
             </a:fld>
             <a:endParaRPr lang="en-US" dirty="0"/>
           </a:p>
@@ -17321,7 +17321,7 @@
             <a:fld id="{2D72A43D-7419-4C41-A920-C6E38643746D}" type="datetime3">
               <a:rPr lang="es-ES_tradnl" smtClean="0"/>
               <a:pPr/>
-              <a:t>11.07.23</a:t>
+              <a:t>14.09.23</a:t>
             </a:fld>
             <a:endParaRPr lang="en-US" dirty="0"/>
           </a:p>
@@ -17450,7 +17450,7 @@
             <a:fld id="{2D72A43D-7419-4C41-A920-C6E38643746D}" type="datetime3">
               <a:rPr lang="es-ES_tradnl" smtClean="0"/>
               <a:pPr/>
-              <a:t>11.07.23</a:t>
+              <a:t>14.09.23</a:t>
             </a:fld>
             <a:endParaRPr lang="en-US" dirty="0"/>
           </a:p>
@@ -17763,7 +17763,7 @@
             <a:fld id="{2D72A43D-7419-4C41-A920-C6E38643746D}" type="datetime3">
               <a:rPr lang="es-ES_tradnl" smtClean="0"/>
               <a:pPr/>
-              <a:t>11.07.23</a:t>
+              <a:t>14.09.23</a:t>
             </a:fld>
             <a:endParaRPr lang="en-US" dirty="0"/>
           </a:p>
@@ -18123,7 +18123,7 @@
             <a:fld id="{2D72A43D-7419-4C41-A920-C6E38643746D}" type="datetime3">
               <a:rPr lang="es-ES_tradnl" smtClean="0"/>
               <a:pPr/>
-              <a:t>11.07.23</a:t>
+              <a:t>14.09.23</a:t>
             </a:fld>
             <a:endParaRPr lang="en-US" dirty="0"/>
           </a:p>
@@ -18253,17 +18253,20 @@
               <a:rPr lang="es-ES" dirty="0">
                 <a:latin typeface="Arial Nova Light" panose="020B0304020202020204" pitchFamily="34" charset="0"/>
               </a:rPr>
-              <a:t> with Matlab-</a:t>
+              <a:t> </a:t>
             </a:r>
             <a:r>
               <a:rPr lang="es-ES" dirty="0" err="1">
                 <a:latin typeface="Arial Nova Light" panose="020B0304020202020204" pitchFamily="34" charset="0"/>
               </a:rPr>
-              <a:t>Simulink</a:t>
-            </a:r>
-            <a:endParaRPr lang="es-ES" dirty="0">
-              <a:latin typeface="Arial Nova Light" panose="020B0304020202020204" pitchFamily="34" charset="0"/>
-            </a:endParaRPr>
+              <a:t>with</a:t>
+            </a:r>
+            <a:r>
+              <a:rPr lang="es-ES" dirty="0">
+                <a:latin typeface="Arial Nova Light" panose="020B0304020202020204" pitchFamily="34" charset="0"/>
+              </a:rPr>
+              <a:t> MATLAB &amp; Simulink</a:t>
+            </a:r>
           </a:p>
           <a:p>
             <a:pPr lvl="1"/>
@@ -18437,7 +18440,7 @@
             <a:fld id="{2D72A43D-7419-4C41-A920-C6E38643746D}" type="datetime3">
               <a:rPr lang="es-ES_tradnl" smtClean="0"/>
               <a:pPr/>
-              <a:t>11.07.23</a:t>
+              <a:t>14.09.23</a:t>
             </a:fld>
             <a:endParaRPr lang="en-US" dirty="0"/>
           </a:p>
@@ -18785,7 +18788,7 @@
             <a:fld id="{2D72A43D-7419-4C41-A920-C6E38643746D}" type="datetime3">
               <a:rPr lang="es-ES_tradnl" smtClean="0"/>
               <a:pPr/>
-              <a:t>11.07.23</a:t>
+              <a:t>14.09.23</a:t>
             </a:fld>
             <a:endParaRPr lang="en-US" dirty="0"/>
           </a:p>
@@ -19078,7 +19081,7 @@
             <a:fld id="{2D72A43D-7419-4C41-A920-C6E38643746D}" type="datetime3">
               <a:rPr lang="es-ES_tradnl" smtClean="0"/>
               <a:pPr/>
-              <a:t>11.07.23</a:t>
+              <a:t>14.09.23</a:t>
             </a:fld>
             <a:endParaRPr lang="en-US" dirty="0"/>
           </a:p>
@@ -19568,7 +19571,7 @@
             <a:fld id="{2D72A43D-7419-4C41-A920-C6E38643746D}" type="datetime3">
               <a:rPr lang="es-ES_tradnl" smtClean="0"/>
               <a:pPr/>
-              <a:t>11.07.23</a:t>
+              <a:t>14.09.23</a:t>
             </a:fld>
             <a:endParaRPr lang="en-US" dirty="0"/>
           </a:p>
@@ -19842,7 +19845,7 @@
             <a:fld id="{2D72A43D-7419-4C41-A920-C6E38643746D}" type="datetime3">
               <a:rPr lang="es-ES_tradnl" smtClean="0"/>
               <a:pPr/>
-              <a:t>11.07.23</a:t>
+              <a:t>14.09.23</a:t>
             </a:fld>
             <a:endParaRPr lang="en-US" dirty="0"/>
           </a:p>
@@ -20361,7 +20364,7 @@
             <a:fld id="{2D72A43D-7419-4C41-A920-C6E38643746D}" type="datetime3">
               <a:rPr lang="es-ES_tradnl" smtClean="0"/>
               <a:pPr/>
-              <a:t>11.07.23</a:t>
+              <a:t>14.09.23</a:t>
             </a:fld>
             <a:endParaRPr lang="en-US" dirty="0"/>
           </a:p>
@@ -21474,7 +21477,7 @@
             <a:fld id="{2D72A43D-7419-4C41-A920-C6E38643746D}" type="datetime3">
               <a:rPr lang="es-ES_tradnl" smtClean="0"/>
               <a:pPr/>
-              <a:t>11.07.23</a:t>
+              <a:t>14.09.23</a:t>
             </a:fld>
             <a:endParaRPr lang="en-US" dirty="0"/>
           </a:p>
@@ -21819,7 +21822,7 @@
             <a:fld id="{2D72A43D-7419-4C41-A920-C6E38643746D}" type="datetime3">
               <a:rPr lang="es-ES_tradnl" smtClean="0"/>
               <a:pPr/>
-              <a:t>11.07.23</a:t>
+              <a:t>14.09.23</a:t>
             </a:fld>
             <a:endParaRPr lang="en-US" dirty="0"/>
           </a:p>
@@ -21978,7 +21981,7 @@
             <a:fld id="{2D72A43D-7419-4C41-A920-C6E38643746D}" type="datetime3">
               <a:rPr lang="es-ES_tradnl" smtClean="0"/>
               <a:pPr/>
-              <a:t>11.07.23</a:t>
+              <a:t>14.09.23</a:t>
             </a:fld>
             <a:endParaRPr lang="en-US" dirty="0"/>
           </a:p>
@@ -22633,7 +22636,7 @@
             <a:fld id="{2D72A43D-7419-4C41-A920-C6E38643746D}" type="datetime3">
               <a:rPr lang="es-ES_tradnl" smtClean="0"/>
               <a:pPr/>
-              <a:t>11.07.23</a:t>
+              <a:t>14.09.23</a:t>
             </a:fld>
             <a:endParaRPr lang="en-US" dirty="0"/>
           </a:p>
@@ -23247,7 +23250,7 @@
             <a:fld id="{2D72A43D-7419-4C41-A920-C6E38643746D}" type="datetime3">
               <a:rPr lang="es-ES_tradnl" smtClean="0"/>
               <a:pPr/>
-              <a:t>11.07.23</a:t>
+              <a:t>14.09.23</a:t>
             </a:fld>
             <a:endParaRPr lang="en-US" dirty="0"/>
           </a:p>
@@ -24146,7 +24149,7 @@
             <a:fld id="{2D72A43D-7419-4C41-A920-C6E38643746D}" type="datetime3">
               <a:rPr lang="es-ES_tradnl" smtClean="0"/>
               <a:pPr/>
-              <a:t>11.07.23</a:t>
+              <a:t>14.09.23</a:t>
             </a:fld>
             <a:endParaRPr lang="en-US" dirty="0"/>
           </a:p>
